--- a/For_paper/For PDF.pptx
+++ b/For_paper/For PDF.pptx
@@ -8,7 +8,7 @@
     <p:notesMasterId r:id="rId3"/>
   </p:notesMasterIdLst>
   <p:sldIdLst>
-    <p:sldId id="256" r:id="rId2"/>
+    <p:sldId id="257" r:id="rId2"/>
   </p:sldIdLst>
   <p:sldSz cx="7042150" cy="1800225"/>
   <p:notesSz cx="6451600" cy="9321800"/>
@@ -197,7 +197,7 @@
           <a:p>
             <a:fld id="{A8F44D15-86FF-4F19-B4FC-C5A0931B9097}" type="datetimeFigureOut">
               <a:rPr kumimoji="1" lang="ja-JP" altLang="en-US" smtClean="0"/>
-              <a:t>2016/4/5</a:t>
+              <a:t>2016/5/31</a:t>
             </a:fld>
             <a:endParaRPr kumimoji="1" lang="ja-JP" altLang="en-US"/>
           </a:p>
@@ -628,7 +628,7 @@
           <a:p>
             <a:fld id="{D9EEF076-5A5E-47FD-AACD-14A7E672754C}" type="datetimeFigureOut">
               <a:rPr kumimoji="1" lang="ja-JP" altLang="en-US" smtClean="0"/>
-              <a:t>2016/4/5</a:t>
+              <a:t>2016/5/31</a:t>
             </a:fld>
             <a:endParaRPr kumimoji="1" lang="ja-JP" altLang="en-US"/>
           </a:p>
@@ -830,7 +830,7 @@
           <a:p>
             <a:fld id="{D9EEF076-5A5E-47FD-AACD-14A7E672754C}" type="datetimeFigureOut">
               <a:rPr kumimoji="1" lang="ja-JP" altLang="en-US" smtClean="0"/>
-              <a:t>2016/4/5</a:t>
+              <a:t>2016/5/31</a:t>
             </a:fld>
             <a:endParaRPr kumimoji="1" lang="ja-JP" altLang="en-US"/>
           </a:p>
@@ -1042,7 +1042,7 @@
           <a:p>
             <a:fld id="{D9EEF076-5A5E-47FD-AACD-14A7E672754C}" type="datetimeFigureOut">
               <a:rPr kumimoji="1" lang="ja-JP" altLang="en-US" smtClean="0"/>
-              <a:t>2016/4/5</a:t>
+              <a:t>2016/5/31</a:t>
             </a:fld>
             <a:endParaRPr kumimoji="1" lang="ja-JP" altLang="en-US"/>
           </a:p>
@@ -1244,7 +1244,7 @@
           <a:p>
             <a:fld id="{D9EEF076-5A5E-47FD-AACD-14A7E672754C}" type="datetimeFigureOut">
               <a:rPr kumimoji="1" lang="ja-JP" altLang="en-US" smtClean="0"/>
-              <a:t>2016/4/5</a:t>
+              <a:t>2016/5/31</a:t>
             </a:fld>
             <a:endParaRPr kumimoji="1" lang="ja-JP" altLang="en-US"/>
           </a:p>
@@ -1490,7 +1490,7 @@
           <a:p>
             <a:fld id="{D9EEF076-5A5E-47FD-AACD-14A7E672754C}" type="datetimeFigureOut">
               <a:rPr kumimoji="1" lang="ja-JP" altLang="en-US" smtClean="0"/>
-              <a:t>2016/4/5</a:t>
+              <a:t>2016/5/31</a:t>
             </a:fld>
             <a:endParaRPr kumimoji="1" lang="ja-JP" altLang="en-US"/>
           </a:p>
@@ -1786,7 +1786,7 @@
           <a:p>
             <a:fld id="{D9EEF076-5A5E-47FD-AACD-14A7E672754C}" type="datetimeFigureOut">
               <a:rPr kumimoji="1" lang="ja-JP" altLang="en-US" smtClean="0"/>
-              <a:t>2016/4/5</a:t>
+              <a:t>2016/5/31</a:t>
             </a:fld>
             <a:endParaRPr kumimoji="1" lang="ja-JP" altLang="en-US"/>
           </a:p>
@@ -2217,7 +2217,7 @@
           <a:p>
             <a:fld id="{D9EEF076-5A5E-47FD-AACD-14A7E672754C}" type="datetimeFigureOut">
               <a:rPr kumimoji="1" lang="ja-JP" altLang="en-US" smtClean="0"/>
-              <a:t>2016/4/5</a:t>
+              <a:t>2016/5/31</a:t>
             </a:fld>
             <a:endParaRPr kumimoji="1" lang="ja-JP" altLang="en-US"/>
           </a:p>
@@ -2335,7 +2335,7 @@
           <a:p>
             <a:fld id="{D9EEF076-5A5E-47FD-AACD-14A7E672754C}" type="datetimeFigureOut">
               <a:rPr kumimoji="1" lang="ja-JP" altLang="en-US" smtClean="0"/>
-              <a:t>2016/4/5</a:t>
+              <a:t>2016/5/31</a:t>
             </a:fld>
             <a:endParaRPr kumimoji="1" lang="ja-JP" altLang="en-US"/>
           </a:p>
@@ -2430,7 +2430,7 @@
           <a:p>
             <a:fld id="{D9EEF076-5A5E-47FD-AACD-14A7E672754C}" type="datetimeFigureOut">
               <a:rPr kumimoji="1" lang="ja-JP" altLang="en-US" smtClean="0"/>
-              <a:t>2016/4/5</a:t>
+              <a:t>2016/5/31</a:t>
             </a:fld>
             <a:endParaRPr kumimoji="1" lang="ja-JP" altLang="en-US"/>
           </a:p>
@@ -2739,7 +2739,7 @@
           <a:p>
             <a:fld id="{D9EEF076-5A5E-47FD-AACD-14A7E672754C}" type="datetimeFigureOut">
               <a:rPr kumimoji="1" lang="ja-JP" altLang="en-US" smtClean="0"/>
-              <a:t>2016/4/5</a:t>
+              <a:t>2016/5/31</a:t>
             </a:fld>
             <a:endParaRPr kumimoji="1" lang="ja-JP" altLang="en-US"/>
           </a:p>
@@ -2996,7 +2996,7 @@
           <a:p>
             <a:fld id="{D9EEF076-5A5E-47FD-AACD-14A7E672754C}" type="datetimeFigureOut">
               <a:rPr kumimoji="1" lang="ja-JP" altLang="en-US" smtClean="0"/>
-              <a:t>2016/4/5</a:t>
+              <a:t>2016/5/31</a:t>
             </a:fld>
             <a:endParaRPr kumimoji="1" lang="ja-JP" altLang="en-US"/>
           </a:p>
@@ -3241,7 +3241,7 @@
           <a:p>
             <a:fld id="{D9EEF076-5A5E-47FD-AACD-14A7E672754C}" type="datetimeFigureOut">
               <a:rPr kumimoji="1" lang="ja-JP" altLang="en-US" smtClean="0"/>
-              <a:t>2016/4/5</a:t>
+              <a:t>2016/5/31</a:t>
             </a:fld>
             <a:endParaRPr kumimoji="1" lang="ja-JP" altLang="en-US"/>
           </a:p>
@@ -3648,28 +3648,28 @@
       </p:grpSpPr>
       <p:grpSp>
         <p:nvGrpSpPr>
-          <p:cNvPr id="11" name="グループ化 10"/>
+          <p:cNvPr id="16" name="グループ化 15"/>
           <p:cNvGrpSpPr/>
           <p:nvPr/>
         </p:nvGrpSpPr>
         <p:grpSpPr>
           <a:xfrm>
-            <a:off x="115846" y="209695"/>
-            <a:ext cx="6810465" cy="1406990"/>
-            <a:chOff x="2156163" y="2646319"/>
-            <a:chExt cx="6634752" cy="1755077"/>
+            <a:off x="216747" y="738294"/>
+            <a:ext cx="6651413" cy="866986"/>
+            <a:chOff x="2307079" y="2823908"/>
+            <a:chExt cx="6326062" cy="1014175"/>
           </a:xfrm>
         </p:grpSpPr>
         <p:sp>
           <p:nvSpPr>
-            <p:cNvPr id="3" name="正方形/長方形 2"/>
+            <p:cNvPr id="17" name="正方形/長方形 16"/>
             <p:cNvSpPr/>
             <p:nvPr/>
           </p:nvSpPr>
           <p:spPr bwMode="auto">
             <a:xfrm>
-              <a:off x="2156163" y="3081516"/>
-              <a:ext cx="1850505" cy="972782"/>
+              <a:off x="2307079" y="2823908"/>
+              <a:ext cx="2525271" cy="1014175"/>
             </a:xfrm>
             <a:prstGeom prst="rect">
               <a:avLst/>
@@ -3695,15 +3695,15 @@
             </a:fontRef>
           </p:style>
           <p:txBody>
-            <a:bodyPr vert="horz" wrap="square" lIns="51979" tIns="27029" rIns="51979" bIns="27029" numCol="1" rtlCol="0" anchor="t" anchorCtr="0" compatLnSpc="1">
+            <a:bodyPr vert="horz" wrap="square" lIns="23625" tIns="12285" rIns="23625" bIns="12285" numCol="1" rtlCol="0" anchor="t" anchorCtr="0" compatLnSpc="1">
               <a:prstTxWarp prst="textNoShape">
                 <a:avLst/>
               </a:prstTxWarp>
-              <a:spAutoFit/>
+              <a:noAutofit/>
             </a:bodyPr>
             <a:lstStyle/>
             <a:p>
-              <a:pPr defTabSz="528033" fontAlgn="base">
+              <a:pPr defTabSz="240015" fontAlgn="base">
                 <a:lnSpc>
                   <a:spcPct val="90000"/>
                 </a:lnSpc>
@@ -3715,7 +3715,7 @@
                 </a:spcAft>
               </a:pPr>
               <a:r>
-                <a:rPr lang="en-US" altLang="ja-JP" sz="1848" dirty="0" err="1">
+                <a:rPr lang="en-US" altLang="ja-JP" sz="1400" dirty="0" err="1">
                   <a:solidFill>
                     <a:schemeClr val="tx1"/>
                   </a:solidFill>
@@ -3723,9 +3723,9 @@
                   <a:ea typeface="メイリオ" panose="020B0604030504040204" pitchFamily="50" charset="-128"/>
                   <a:cs typeface="メイリオ" pitchFamily="50" charset="-128"/>
                 </a:rPr>
-                <a:t>tCaller</a:t>
+                <a:t>tCyclicHandler</a:t>
               </a:r>
-              <a:endParaRPr lang="en-US" altLang="ja-JP" sz="1848" dirty="0">
+              <a:endParaRPr lang="en-US" altLang="ja-JP" sz="840" dirty="0">
                 <a:solidFill>
                   <a:schemeClr val="tx1"/>
                 </a:solidFill>
@@ -3735,7 +3735,7 @@
               </a:endParaRPr>
             </a:p>
             <a:p>
-              <a:pPr algn="ctr" defTabSz="528033" fontAlgn="base">
+              <a:pPr algn="ctr" defTabSz="240015" fontAlgn="base">
                 <a:lnSpc>
                   <a:spcPct val="90000"/>
                 </a:lnSpc>
@@ -3747,7 +3747,7 @@
                 </a:spcAft>
               </a:pPr>
               <a:r>
-                <a:rPr lang="en-US" altLang="ja-JP" sz="2772" dirty="0">
+                <a:rPr lang="en-US" altLang="ja-JP" sz="2000" dirty="0" err="1">
                   <a:solidFill>
                     <a:schemeClr val="tx1"/>
                   </a:solidFill>
@@ -3755,9 +3755,9 @@
                   <a:ea typeface="メイリオ" panose="020B0604030504040204" pitchFamily="50" charset="-128"/>
                   <a:cs typeface="メイリオ" pitchFamily="50" charset="-128"/>
                 </a:rPr>
-                <a:t>Caller</a:t>
+                <a:t>CyclicHandler</a:t>
               </a:r>
-              <a:endParaRPr lang="ja-JP" altLang="en-US" sz="2079" dirty="0">
+              <a:endParaRPr lang="ja-JP" altLang="en-US" sz="945" dirty="0">
                 <a:solidFill>
                   <a:schemeClr val="tx1"/>
                 </a:solidFill>
@@ -3770,14 +3770,14 @@
         </p:sp>
         <p:sp>
           <p:nvSpPr>
-            <p:cNvPr id="4" name="正方形/長方形 3"/>
+            <p:cNvPr id="18" name="正方形/長方形 17"/>
             <p:cNvSpPr/>
             <p:nvPr/>
           </p:nvSpPr>
           <p:spPr bwMode="auto">
             <a:xfrm>
-              <a:off x="6940411" y="3081516"/>
-              <a:ext cx="1850504" cy="972782"/>
+              <a:off x="5521555" y="2823908"/>
+              <a:ext cx="3111586" cy="1014175"/>
             </a:xfrm>
             <a:prstGeom prst="rect">
               <a:avLst/>
@@ -3803,15 +3803,15 @@
             </a:fontRef>
           </p:style>
           <p:txBody>
-            <a:bodyPr vert="horz" wrap="square" lIns="51979" tIns="27029" rIns="51979" bIns="27029" numCol="1" rtlCol="0" anchor="t" anchorCtr="0" compatLnSpc="1">
+            <a:bodyPr vert="horz" wrap="square" lIns="23625" tIns="12285" rIns="23625" bIns="12285" numCol="1" rtlCol="0" anchor="t" anchorCtr="0" compatLnSpc="1">
               <a:prstTxWarp prst="textNoShape">
                 <a:avLst/>
               </a:prstTxWarp>
-              <a:spAutoFit/>
+              <a:noAutofit/>
             </a:bodyPr>
             <a:lstStyle/>
             <a:p>
-              <a:pPr defTabSz="528033" fontAlgn="base">
+              <a:pPr defTabSz="240015" fontAlgn="base">
                 <a:lnSpc>
                   <a:spcPct val="90000"/>
                 </a:lnSpc>
@@ -3823,7 +3823,7 @@
                 </a:spcAft>
               </a:pPr>
               <a:r>
-                <a:rPr lang="en-US" altLang="ja-JP" sz="1848" dirty="0">
+                <a:rPr lang="en-US" altLang="ja-JP" sz="1400" dirty="0" err="1">
                   <a:solidFill>
                     <a:schemeClr val="tx1"/>
                   </a:solidFill>
@@ -3831,9 +3831,9 @@
                   <a:ea typeface="メイリオ" panose="020B0604030504040204" pitchFamily="50" charset="-128"/>
                   <a:cs typeface="メイリオ" pitchFamily="50" charset="-128"/>
                 </a:rPr>
-                <a:t>tMotor</a:t>
+                <a:t>tRiteVMSchedulerMain</a:t>
               </a:r>
-              <a:endParaRPr lang="en-US" altLang="ja-JP" sz="2079" dirty="0">
+              <a:endParaRPr lang="en-US" altLang="ja-JP" sz="1000" dirty="0">
                 <a:solidFill>
                   <a:schemeClr val="tx1"/>
                 </a:solidFill>
@@ -3843,7 +3843,7 @@
               </a:endParaRPr>
             </a:p>
             <a:p>
-              <a:pPr algn="ctr" defTabSz="528033" fontAlgn="base">
+              <a:pPr algn="ctr" defTabSz="240015" fontAlgn="base">
                 <a:lnSpc>
                   <a:spcPct val="90000"/>
                 </a:lnSpc>
@@ -3855,7 +3855,7 @@
                 </a:spcAft>
               </a:pPr>
               <a:r>
-                <a:rPr lang="en-US" altLang="ja-JP" sz="2772" dirty="0">
+                <a:rPr lang="en-US" altLang="ja-JP" sz="2000" dirty="0" err="1">
                   <a:solidFill>
                     <a:schemeClr val="tx1"/>
                   </a:solidFill>
@@ -3863,9 +3863,9 @@
                   <a:ea typeface="メイリオ" panose="020B0604030504040204" pitchFamily="50" charset="-128"/>
                   <a:cs typeface="メイリオ" pitchFamily="50" charset="-128"/>
                 </a:rPr>
-                <a:t>Motor</a:t>
+                <a:t>RiteVMSchedulerMain</a:t>
               </a:r>
-              <a:endParaRPr lang="ja-JP" altLang="en-US" sz="2541" dirty="0">
+              <a:endParaRPr lang="ja-JP" altLang="en-US" sz="3200" dirty="0">
                 <a:solidFill>
                   <a:schemeClr val="tx1"/>
                 </a:solidFill>
@@ -3878,14 +3878,14 @@
         </p:sp>
         <p:sp>
           <p:nvSpPr>
-            <p:cNvPr id="5" name="二等辺三角形 4"/>
+            <p:cNvPr id="19" name="二等辺三角形 18"/>
             <p:cNvSpPr/>
             <p:nvPr/>
           </p:nvSpPr>
           <p:spPr bwMode="auto">
             <a:xfrm rot="5400000" flipH="1">
-              <a:off x="6899699" y="3390408"/>
-              <a:ext cx="403788" cy="322378"/>
+              <a:off x="5424245" y="3227775"/>
+              <a:ext cx="413952" cy="206441"/>
             </a:xfrm>
             <a:prstGeom prst="triangle">
               <a:avLst/>
@@ -3906,15 +3906,15 @@
             <a:extLst/>
           </p:spPr>
           <p:txBody>
-            <a:bodyPr vert="horz" wrap="square" lIns="51979" tIns="27029" rIns="51979" bIns="27029" numCol="1" rtlCol="0" anchor="t" anchorCtr="0" compatLnSpc="1">
+            <a:bodyPr vert="horz" wrap="square" lIns="23625" tIns="12285" rIns="23625" bIns="12285" numCol="1" rtlCol="0" anchor="t" anchorCtr="0" compatLnSpc="1">
               <a:prstTxWarp prst="textNoShape">
                 <a:avLst/>
               </a:prstTxWarp>
-              <a:spAutoFit/>
+              <a:noAutofit/>
             </a:bodyPr>
             <a:lstStyle/>
             <a:p>
-              <a:pPr defTabSz="528033" fontAlgn="base">
+              <a:pPr defTabSz="240015" fontAlgn="base">
                 <a:lnSpc>
                   <a:spcPct val="90000"/>
                 </a:lnSpc>
@@ -3925,7 +3925,7 @@
                   <a:spcPct val="0"/>
                 </a:spcAft>
               </a:pPr>
-              <a:endParaRPr lang="ja-JP" altLang="en-US" sz="5438">
+              <a:endParaRPr lang="ja-JP" altLang="en-US" sz="2472">
                 <a:latin typeface="Times New Roman" pitchFamily="18" charset="0"/>
                 <a:ea typeface="メイリオ" pitchFamily="50" charset="-128"/>
                 <a:cs typeface="メイリオ" pitchFamily="50" charset="-128"/>
@@ -3935,17 +3935,17 @@
         </p:sp>
         <p:cxnSp>
           <p:nvCxnSpPr>
-            <p:cNvPr id="6" name="直線コネクタ 5"/>
+            <p:cNvPr id="20" name="直線コネクタ 19"/>
             <p:cNvCxnSpPr>
-              <a:stCxn id="3" idx="3"/>
-              <a:endCxn id="4" idx="1"/>
+              <a:stCxn id="17" idx="3"/>
+              <a:endCxn id="18" idx="1"/>
             </p:cNvCxnSpPr>
             <p:nvPr/>
           </p:nvCxnSpPr>
           <p:spPr bwMode="auto">
             <a:xfrm>
-              <a:off x="4006668" y="3567908"/>
-              <a:ext cx="2933744" cy="0"/>
+              <a:off x="4832350" y="3330996"/>
+              <a:ext cx="689205" cy="0"/>
             </a:xfrm>
             <a:prstGeom prst="line">
               <a:avLst/>
@@ -3976,156 +3976,144 @@
             </a:extLst>
           </p:spPr>
         </p:cxnSp>
-        <p:sp>
-          <p:nvSpPr>
-            <p:cNvPr id="7" name="テキスト ボックス 6"/>
-            <p:cNvSpPr txBox="1"/>
-            <p:nvPr/>
-          </p:nvSpPr>
-          <p:spPr>
-            <a:xfrm>
-              <a:off x="4006668" y="2646320"/>
-              <a:ext cx="1065105" cy="736006"/>
-            </a:xfrm>
-            <a:prstGeom prst="rect">
+      </p:grpSp>
+      <p:sp>
+        <p:nvSpPr>
+          <p:cNvPr id="12" name="正方形/長方形 11"/>
+          <p:cNvSpPr/>
+          <p:nvPr/>
+        </p:nvSpPr>
+        <p:spPr bwMode="auto">
+          <a:xfrm>
+            <a:off x="47414" y="47413"/>
+            <a:ext cx="6942666" cy="1700107"/>
+          </a:xfrm>
+          <a:prstGeom prst="rect">
+            <a:avLst/>
+          </a:prstGeom>
+          <a:noFill/>
+          <a:ln>
+            <a:headEnd type="none" w="med" len="med"/>
+            <a:tailEnd type="triangle" w="med" len="med"/>
+          </a:ln>
+          <a:extLst/>
+        </p:spPr>
+        <p:style>
+          <a:lnRef idx="2">
+            <a:schemeClr val="dk1"/>
+          </a:lnRef>
+          <a:fillRef idx="1">
+            <a:schemeClr val="lt1"/>
+          </a:fillRef>
+          <a:effectRef idx="0">
+            <a:schemeClr val="dk1"/>
+          </a:effectRef>
+          <a:fontRef idx="minor">
+            <a:schemeClr val="dk1"/>
+          </a:fontRef>
+        </p:style>
+        <p:txBody>
+          <a:bodyPr vert="horz" wrap="square" lIns="23625" tIns="12285" rIns="23625" bIns="12285" numCol="1" rtlCol="0" anchor="t" anchorCtr="0" compatLnSpc="1">
+            <a:prstTxWarp prst="textNoShape">
               <a:avLst/>
-            </a:prstGeom>
-            <a:noFill/>
-          </p:spPr>
-          <p:txBody>
-            <a:bodyPr wrap="none" rtlCol="0">
-              <a:spAutoFit/>
-            </a:bodyPr>
-            <a:lstStyle/>
-            <a:p>
-              <a:r>
-                <a:rPr lang="en-US" altLang="ja-JP" sz="1617" dirty="0">
-                  <a:latin typeface="メイリオ" panose="020B0604030504040204" pitchFamily="50" charset="-128"/>
-                  <a:ea typeface="メイリオ" panose="020B0604030504040204" pitchFamily="50" charset="-128"/>
-                </a:rPr>
-                <a:t>call port:</a:t>
-              </a:r>
-            </a:p>
-            <a:p>
-              <a:r>
-                <a:rPr lang="en-US" altLang="ja-JP" sz="1617" dirty="0" err="1">
-                  <a:latin typeface="メイリオ" panose="020B0604030504040204" pitchFamily="50" charset="-128"/>
-                  <a:ea typeface="メイリオ" panose="020B0604030504040204" pitchFamily="50" charset="-128"/>
-                </a:rPr>
-                <a:t>cMotor</a:t>
-              </a:r>
-              <a:endParaRPr lang="ja-JP" altLang="en-US" sz="1617" dirty="0">
+            </a:prstTxWarp>
+            <a:noAutofit/>
+          </a:bodyPr>
+          <a:lstStyle/>
+          <a:p>
+            <a:pPr defTabSz="240015" fontAlgn="base">
+              <a:lnSpc>
+                <a:spcPct val="90000"/>
+              </a:lnSpc>
+              <a:spcBef>
+                <a:spcPct val="20000"/>
+              </a:spcBef>
+              <a:spcAft>
+                <a:spcPct val="0"/>
+              </a:spcAft>
+            </a:pPr>
+            <a:r>
+              <a:rPr lang="en-US" altLang="ja-JP" sz="1800" dirty="0" err="1">
+                <a:solidFill>
+                  <a:schemeClr val="tx1"/>
+                </a:solidFill>
                 <a:latin typeface="メイリオ" panose="020B0604030504040204" pitchFamily="50" charset="-128"/>
                 <a:ea typeface="メイリオ" panose="020B0604030504040204" pitchFamily="50" charset="-128"/>
-              </a:endParaRPr>
-            </a:p>
-          </p:txBody>
-        </p:sp>
-        <p:sp>
-          <p:nvSpPr>
-            <p:cNvPr id="9" name="テキスト ボックス 8"/>
-            <p:cNvSpPr txBox="1"/>
-            <p:nvPr/>
-          </p:nvSpPr>
-          <p:spPr>
-            <a:xfrm>
-              <a:off x="5541777" y="2646319"/>
-              <a:ext cx="1260061" cy="736006"/>
-            </a:xfrm>
-            <a:prstGeom prst="rect">
-              <a:avLst/>
-            </a:prstGeom>
-            <a:noFill/>
-          </p:spPr>
-          <p:txBody>
-            <a:bodyPr wrap="none" rtlCol="0">
-              <a:spAutoFit/>
-            </a:bodyPr>
-            <a:lstStyle/>
-            <a:p>
-              <a:pPr algn="r"/>
-              <a:r>
-                <a:rPr lang="en-US" altLang="ja-JP" sz="1617" dirty="0">
-                  <a:latin typeface="メイリオ" panose="020B0604030504040204" pitchFamily="50" charset="-128"/>
-                  <a:ea typeface="メイリオ" panose="020B0604030504040204" pitchFamily="50" charset="-128"/>
-                </a:rPr>
-                <a:t>entry port:</a:t>
-              </a:r>
-            </a:p>
-            <a:p>
-              <a:pPr algn="r"/>
-              <a:r>
-                <a:rPr lang="en-US" altLang="ja-JP" sz="1617" dirty="0" err="1">
-                  <a:latin typeface="メイリオ" panose="020B0604030504040204" pitchFamily="50" charset="-128"/>
-                  <a:ea typeface="メイリオ" panose="020B0604030504040204" pitchFamily="50" charset="-128"/>
-                </a:rPr>
-                <a:t>eMotor</a:t>
-              </a:r>
-              <a:endParaRPr lang="ja-JP" altLang="en-US" sz="1617" dirty="0">
+                <a:cs typeface="メイリオ" pitchFamily="50" charset="-128"/>
+              </a:rPr>
+              <a:t>tRiteVMScheduler</a:t>
+            </a:r>
+            <a:endParaRPr lang="en-US" altLang="ja-JP" sz="840" dirty="0">
+              <a:solidFill>
+                <a:schemeClr val="tx1"/>
+              </a:solidFill>
+              <a:latin typeface="メイリオ" panose="020B0604030504040204" pitchFamily="50" charset="-128"/>
+              <a:ea typeface="メイリオ" panose="020B0604030504040204" pitchFamily="50" charset="-128"/>
+              <a:cs typeface="メイリオ" pitchFamily="50" charset="-128"/>
+            </a:endParaRPr>
+          </a:p>
+          <a:p>
+            <a:pPr defTabSz="240015" fontAlgn="base">
+              <a:lnSpc>
+                <a:spcPct val="90000"/>
+              </a:lnSpc>
+              <a:spcBef>
+                <a:spcPct val="20000"/>
+              </a:spcBef>
+              <a:spcAft>
+                <a:spcPct val="0"/>
+              </a:spcAft>
+            </a:pPr>
+            <a:r>
+              <a:rPr lang="en-US" altLang="ja-JP" sz="945" dirty="0">
+                <a:solidFill>
+                  <a:schemeClr val="tx1"/>
+                </a:solidFill>
                 <a:latin typeface="メイリオ" panose="020B0604030504040204" pitchFamily="50" charset="-128"/>
                 <a:ea typeface="メイリオ" panose="020B0604030504040204" pitchFamily="50" charset="-128"/>
-              </a:endParaRPr>
-            </a:p>
-          </p:txBody>
-        </p:sp>
-        <p:sp>
-          <p:nvSpPr>
-            <p:cNvPr id="10" name="テキスト ボックス 9"/>
-            <p:cNvSpPr txBox="1"/>
-            <p:nvPr/>
-          </p:nvSpPr>
-          <p:spPr>
-            <a:xfrm>
-              <a:off x="4880735" y="3665390"/>
-              <a:ext cx="1185601" cy="736006"/>
-            </a:xfrm>
-            <a:prstGeom prst="rect">
-              <a:avLst/>
-            </a:prstGeom>
-            <a:noFill/>
-          </p:spPr>
-          <p:txBody>
-            <a:bodyPr wrap="none" rtlCol="0">
-              <a:spAutoFit/>
-            </a:bodyPr>
-            <a:lstStyle/>
-            <a:p>
-              <a:pPr algn="ctr"/>
-              <a:r>
-                <a:rPr lang="en-US" altLang="ja-JP" sz="1617" dirty="0">
-                  <a:latin typeface="メイリオ" panose="020B0604030504040204" pitchFamily="50" charset="-128"/>
-                  <a:ea typeface="メイリオ" panose="020B0604030504040204" pitchFamily="50" charset="-128"/>
-                </a:rPr>
-                <a:t>signature:</a:t>
-              </a:r>
-            </a:p>
-            <a:p>
-              <a:pPr algn="ctr"/>
-              <a:r>
-                <a:rPr lang="en-US" altLang="ja-JP" sz="1617" dirty="0" err="1">
-                  <a:latin typeface="メイリオ" panose="020B0604030504040204" pitchFamily="50" charset="-128"/>
-                  <a:ea typeface="メイリオ" panose="020B0604030504040204" pitchFamily="50" charset="-128"/>
-                </a:rPr>
-                <a:t>sMotor</a:t>
-              </a:r>
-              <a:endParaRPr lang="ja-JP" altLang="en-US" sz="1617" dirty="0">
+                <a:cs typeface="メイリオ" pitchFamily="50" charset="-128"/>
+              </a:rPr>
+              <a:t>	</a:t>
+            </a:r>
+            <a:r>
+              <a:rPr lang="en-US" altLang="ja-JP" sz="2400" dirty="0" err="1">
+                <a:solidFill>
+                  <a:schemeClr val="tx1"/>
+                </a:solidFill>
                 <a:latin typeface="メイリオ" panose="020B0604030504040204" pitchFamily="50" charset="-128"/>
                 <a:ea typeface="メイリオ" panose="020B0604030504040204" pitchFamily="50" charset="-128"/>
-              </a:endParaRPr>
-            </a:p>
-          </p:txBody>
-        </p:sp>
-      </p:grpSp>
+                <a:cs typeface="メイリオ" pitchFamily="50" charset="-128"/>
+              </a:rPr>
+              <a:t>RiteVMScheduler</a:t>
+            </a:r>
+            <a:endParaRPr lang="ja-JP" altLang="en-US" sz="945" dirty="0">
+              <a:solidFill>
+                <a:schemeClr val="tx1"/>
+              </a:solidFill>
+              <a:latin typeface="メイリオ" panose="020B0604030504040204" pitchFamily="50" charset="-128"/>
+              <a:ea typeface="メイリオ" panose="020B0604030504040204" pitchFamily="50" charset="-128"/>
+              <a:cs typeface="メイリオ" pitchFamily="50" charset="-128"/>
+            </a:endParaRPr>
+          </a:p>
+        </p:txBody>
+      </p:sp>
     </p:spTree>
     <p:extLst>
       <p:ext uri="{BB962C8B-B14F-4D97-AF65-F5344CB8AC3E}">
-        <p14:creationId xmlns:p14="http://schemas.microsoft.com/office/powerpoint/2010/main" val="916754221"/>
+        <p14:creationId xmlns:p14="http://schemas.microsoft.com/office/powerpoint/2010/main" val="1391460863"/>
       </p:ext>
     </p:extLst>
   </p:cSld>
   <p:clrMapOvr>
     <a:masterClrMapping/>
   </p:clrMapOvr>
+  <p:timing>
+    <p:tnLst>
+      <p:par>
+        <p:cTn id="1" dur="indefinite" restart="never" nodeType="tmRoot"/>
+      </p:par>
+    </p:tnLst>
+  </p:timing>
 </p:sld>
 </file>
 
